--- a/Network_Evolution_Analysis.pptx
+++ b/Network_Evolution_Analysis.pptx
@@ -343,7 +343,7 @@
           <a:p>
             <a:fld id="{96DFF08F-DC6B-4601-B491-B0F83F6DD2DA}" type="datetimeFigureOut">
               <a:rPr lang="en-US" dirty="0"/>
-              <a:t>5/9/2019</a:t>
+              <a:t>6/24/2019</a:t>
             </a:fld>
             <a:endParaRPr lang="en-US" dirty="0"/>
           </a:p>
@@ -546,7 +546,7 @@
           <a:p>
             <a:fld id="{96DFF08F-DC6B-4601-B491-B0F83F6DD2DA}" type="datetimeFigureOut">
               <a:rPr lang="en-US" dirty="0"/>
-              <a:t>5/9/2019</a:t>
+              <a:t>6/24/2019</a:t>
             </a:fld>
             <a:endParaRPr lang="en-US" dirty="0"/>
           </a:p>
@@ -797,7 +797,7 @@
           <a:p>
             <a:fld id="{96DFF08F-DC6B-4601-B491-B0F83F6DD2DA}" type="datetimeFigureOut">
               <a:rPr lang="en-US" dirty="0"/>
-              <a:t>5/9/2019</a:t>
+              <a:t>6/24/2019</a:t>
             </a:fld>
             <a:endParaRPr lang="en-US" dirty="0"/>
           </a:p>
@@ -962,7 +962,7 @@
           <a:p>
             <a:fld id="{D62CEF3B-A037-46D0-B02C-1428F07E9383}" type="datetimeFigureOut">
               <a:rPr lang="en-US" dirty="0"/>
-              <a:t>5/9/2019</a:t>
+              <a:t>6/24/2019</a:t>
             </a:fld>
             <a:endParaRPr lang="en-US" dirty="0"/>
           </a:p>
@@ -1300,7 +1300,7 @@
           <a:p>
             <a:fld id="{96DFF08F-DC6B-4601-B491-B0F83F6DD2DA}" type="datetimeFigureOut">
               <a:rPr lang="en-US" dirty="0"/>
-              <a:t>5/9/2019</a:t>
+              <a:t>6/24/2019</a:t>
             </a:fld>
             <a:endParaRPr lang="en-US" dirty="0"/>
           </a:p>
@@ -1570,7 +1570,7 @@
           <a:p>
             <a:fld id="{96DFF08F-DC6B-4601-B491-B0F83F6DD2DA}" type="datetimeFigureOut">
               <a:rPr lang="en-US" dirty="0"/>
-              <a:t>5/9/2019</a:t>
+              <a:t>6/24/2019</a:t>
             </a:fld>
             <a:endParaRPr lang="en-US" dirty="0"/>
           </a:p>
@@ -1944,7 +1944,7 @@
           <a:p>
             <a:fld id="{96DFF08F-DC6B-4601-B491-B0F83F6DD2DA}" type="datetimeFigureOut">
               <a:rPr lang="en-US" dirty="0"/>
-              <a:t>5/9/2019</a:t>
+              <a:t>6/24/2019</a:t>
             </a:fld>
             <a:endParaRPr lang="en-US" dirty="0"/>
           </a:p>
@@ -2057,7 +2057,7 @@
           <a:p>
             <a:fld id="{96DFF08F-DC6B-4601-B491-B0F83F6DD2DA}" type="datetimeFigureOut">
               <a:rPr lang="en-US" dirty="0"/>
-              <a:t>5/9/2019</a:t>
+              <a:t>6/24/2019</a:t>
             </a:fld>
             <a:endParaRPr lang="en-US" dirty="0"/>
           </a:p>
@@ -2224,7 +2224,7 @@
             <a:fld id="{96DFF08F-DC6B-4601-B491-B0F83F6DD2DA}" type="datetimeFigureOut">
               <a:rPr lang="en-US" dirty="0"/>
               <a:pPr/>
-              <a:t>5/9/2019</a:t>
+              <a:t>6/24/2019</a:t>
             </a:fld>
             <a:endParaRPr lang="en-US" dirty="0"/>
           </a:p>
@@ -2575,7 +2575,7 @@
             <a:fld id="{96DFF08F-DC6B-4601-B491-B0F83F6DD2DA}" type="datetimeFigureOut">
               <a:rPr lang="en-US" dirty="0"/>
               <a:pPr/>
-              <a:t>5/9/2019</a:t>
+              <a:t>6/24/2019</a:t>
             </a:fld>
             <a:endParaRPr lang="en-US" dirty="0"/>
           </a:p>
@@ -2948,7 +2948,7 @@
           <a:p>
             <a:fld id="{96DFF08F-DC6B-4601-B491-B0F83F6DD2DA}" type="datetimeFigureOut">
               <a:rPr lang="en-US" dirty="0"/>
-              <a:t>5/9/2019</a:t>
+              <a:t>6/24/2019</a:t>
             </a:fld>
             <a:endParaRPr lang="en-US" dirty="0"/>
           </a:p>
@@ -3231,7 +3231,7 @@
             <a:fld id="{96DFF08F-DC6B-4601-B491-B0F83F6DD2DA}" type="datetimeFigureOut">
               <a:rPr lang="en-US" dirty="0"/>
               <a:pPr/>
-              <a:t>5/9/2019</a:t>
+              <a:t>6/24/2019</a:t>
             </a:fld>
             <a:endParaRPr lang="en-US" dirty="0"/>
           </a:p>
@@ -4068,8 +4068,8 @@
         </p:blipFill>
         <p:spPr>
           <a:xfrm>
-            <a:off x="7498255" y="2241871"/>
-            <a:ext cx="2539682" cy="2336508"/>
+            <a:off x="5189715" y="2184874"/>
+            <a:ext cx="1627381" cy="1497191"/>
           </a:xfrm>
         </p:spPr>
       </p:pic>
@@ -4102,8 +4102,179 @@
         </p:blipFill>
         <p:spPr bwMode="auto">
           <a:xfrm>
-            <a:off x="588652" y="2644804"/>
-            <a:ext cx="5724525" cy="1933575"/>
+            <a:off x="369125" y="2319984"/>
+            <a:ext cx="4313461" cy="1456959"/>
+          </a:xfrm>
+          <a:prstGeom prst="rect">
+            <a:avLst/>
+          </a:prstGeom>
+          <a:noFill/>
+          <a:extLst>
+            <a:ext uri="{909E8E84-426E-40DD-AFC4-6F175D3DCCD1}">
+              <a14:hiddenFill xmlns:a14="http://schemas.microsoft.com/office/drawing/2010/main">
+                <a:solidFill>
+                  <a:srgbClr val="FFFFFF"/>
+                </a:solidFill>
+              </a14:hiddenFill>
+            </a:ext>
+          </a:extLst>
+        </p:spPr>
+      </p:pic>
+      <p:pic>
+        <p:nvPicPr>
+          <p:cNvPr id="1026" name="Picture 2" descr="Znalezione obrazy dla zapytania javascript logo">
+            <a:extLst>
+              <a:ext uri="{FF2B5EF4-FFF2-40B4-BE49-F238E27FC236}">
+                <a16:creationId xmlns:a16="http://schemas.microsoft.com/office/drawing/2014/main" id="{5138964F-2492-4E40-9F28-F10C38AAA285}"/>
+              </a:ext>
+            </a:extLst>
+          </p:cNvPr>
+          <p:cNvPicPr>
+            <a:picLocks noChangeAspect="1" noChangeArrowheads="1"/>
+          </p:cNvPicPr>
+          <p:nvPr/>
+        </p:nvPicPr>
+        <p:blipFill>
+          <a:blip r:embed="rId4">
+            <a:extLst>
+              <a:ext uri="{28A0092B-C50C-407E-A947-70E740481C1C}">
+                <a14:useLocalDpi xmlns:a14="http://schemas.microsoft.com/office/drawing/2010/main" val="0"/>
+              </a:ext>
+            </a:extLst>
+          </a:blip>
+          <a:srcRect/>
+          <a:stretch>
+            <a:fillRect/>
+          </a:stretch>
+        </p:blipFill>
+        <p:spPr bwMode="auto">
+          <a:xfrm>
+            <a:off x="1534749" y="4164244"/>
+            <a:ext cx="1773431" cy="1773431"/>
+          </a:xfrm>
+          <a:prstGeom prst="rect">
+            <a:avLst/>
+          </a:prstGeom>
+          <a:noFill/>
+          <a:extLst>
+            <a:ext uri="{909E8E84-426E-40DD-AFC4-6F175D3DCCD1}">
+              <a14:hiddenFill xmlns:a14="http://schemas.microsoft.com/office/drawing/2010/main">
+                <a:solidFill>
+                  <a:srgbClr val="FFFFFF"/>
+                </a:solidFill>
+              </a14:hiddenFill>
+            </a:ext>
+          </a:extLst>
+        </p:spPr>
+      </p:pic>
+      <p:pic>
+        <p:nvPicPr>
+          <p:cNvPr id="6" name="Picture 5" descr="A close up of a logo&#10;&#10;Description automatically generated">
+            <a:extLst>
+              <a:ext uri="{FF2B5EF4-FFF2-40B4-BE49-F238E27FC236}">
+                <a16:creationId xmlns:a16="http://schemas.microsoft.com/office/drawing/2014/main" id="{D55D01D0-86FD-4AB9-9726-FB0ABF1A8B7F}"/>
+              </a:ext>
+            </a:extLst>
+          </p:cNvPr>
+          <p:cNvPicPr>
+            <a:picLocks noChangeAspect="1"/>
+          </p:cNvPicPr>
+          <p:nvPr/>
+        </p:nvPicPr>
+        <p:blipFill>
+          <a:blip r:embed="rId5"/>
+          <a:stretch>
+            <a:fillRect/>
+          </a:stretch>
+        </p:blipFill>
+        <p:spPr>
+          <a:xfrm>
+            <a:off x="8533549" y="2184874"/>
+            <a:ext cx="1741655" cy="1450757"/>
+          </a:xfrm>
+          <a:prstGeom prst="rect">
+            <a:avLst/>
+          </a:prstGeom>
+        </p:spPr>
+      </p:pic>
+      <p:pic>
+        <p:nvPicPr>
+          <p:cNvPr id="1032" name="Picture 8" descr="grafana logo">
+            <a:extLst>
+              <a:ext uri="{FF2B5EF4-FFF2-40B4-BE49-F238E27FC236}">
+                <a16:creationId xmlns:a16="http://schemas.microsoft.com/office/drawing/2014/main" id="{636B98C7-B168-43A3-A109-534B86C91F6B}"/>
+              </a:ext>
+            </a:extLst>
+          </p:cNvPr>
+          <p:cNvPicPr>
+            <a:picLocks noChangeAspect="1" noChangeArrowheads="1"/>
+          </p:cNvPicPr>
+          <p:nvPr/>
+        </p:nvPicPr>
+        <p:blipFill>
+          <a:blip r:embed="rId6">
+            <a:extLst>
+              <a:ext uri="{28A0092B-C50C-407E-A947-70E740481C1C}">
+                <a14:useLocalDpi xmlns:a14="http://schemas.microsoft.com/office/drawing/2010/main" val="0"/>
+              </a:ext>
+            </a:extLst>
+          </a:blip>
+          <a:srcRect/>
+          <a:stretch>
+            <a:fillRect/>
+          </a:stretch>
+        </p:blipFill>
+        <p:spPr bwMode="auto">
+          <a:xfrm>
+            <a:off x="6726307" y="4036908"/>
+            <a:ext cx="5356137" cy="2028104"/>
+          </a:xfrm>
+          <a:prstGeom prst="rect">
+            <a:avLst/>
+          </a:prstGeom>
+          <a:noFill/>
+          <a:extLst>
+            <a:ext uri="{909E8E84-426E-40DD-AFC4-6F175D3DCCD1}">
+              <a14:hiddenFill xmlns:a14="http://schemas.microsoft.com/office/drawing/2010/main">
+                <a:solidFill>
+                  <a:srgbClr val="FFFFFF"/>
+                </a:solidFill>
+              </a14:hiddenFill>
+            </a:ext>
+          </a:extLst>
+        </p:spPr>
+      </p:pic>
+      <p:pic>
+        <p:nvPicPr>
+          <p:cNvPr id="1034" name="Picture 10" descr="Znalezione obrazy dla zapytania css logo">
+            <a:extLst>
+              <a:ext uri="{FF2B5EF4-FFF2-40B4-BE49-F238E27FC236}">
+                <a16:creationId xmlns:a16="http://schemas.microsoft.com/office/drawing/2014/main" id="{0789AA58-33B3-49DD-8825-008813813048}"/>
+              </a:ext>
+            </a:extLst>
+          </p:cNvPr>
+          <p:cNvPicPr>
+            <a:picLocks noChangeAspect="1" noChangeArrowheads="1"/>
+          </p:cNvPicPr>
+          <p:nvPr/>
+        </p:nvPicPr>
+        <p:blipFill>
+          <a:blip r:embed="rId7">
+            <a:extLst>
+              <a:ext uri="{28A0092B-C50C-407E-A947-70E740481C1C}">
+                <a14:useLocalDpi xmlns:a14="http://schemas.microsoft.com/office/drawing/2010/main" val="0"/>
+              </a:ext>
+            </a:extLst>
+          </a:blip>
+          <a:srcRect/>
+          <a:stretch>
+            <a:fillRect/>
+          </a:stretch>
+        </p:blipFill>
+        <p:spPr bwMode="auto">
+          <a:xfrm>
+            <a:off x="5099533" y="4147087"/>
+            <a:ext cx="1807747" cy="1807747"/>
           </a:xfrm>
           <a:prstGeom prst="rect">
             <a:avLst/>
@@ -4733,49 +4904,32 @@
       </p:sp>
       <p:pic>
         <p:nvPicPr>
-          <p:cNvPr id="4" name="Picture 2" descr="https://cdn.discordapp.com/attachments/423059602096128001/576018611232309250/unknown.png">
+          <p:cNvPr id="6" name="Picture 5" descr="A close up of a map&#10;&#10;Description automatically generated">
             <a:extLst>
               <a:ext uri="{FF2B5EF4-FFF2-40B4-BE49-F238E27FC236}">
-                <a16:creationId xmlns:a16="http://schemas.microsoft.com/office/drawing/2014/main" id="{A14E0D73-2515-415A-911A-76613DDA9FAA}"/>
+                <a16:creationId xmlns:a16="http://schemas.microsoft.com/office/drawing/2014/main" id="{B9B33F6D-1CEB-4C59-BE7A-ADA7C0599843}"/>
               </a:ext>
             </a:extLst>
           </p:cNvPr>
           <p:cNvPicPr>
-            <a:picLocks noChangeAspect="1" noChangeArrowheads="1"/>
+            <a:picLocks noChangeAspect="1"/>
           </p:cNvPicPr>
           <p:nvPr/>
         </p:nvPicPr>
         <p:blipFill>
-          <a:blip r:embed="rId2">
-            <a:extLst>
-              <a:ext uri="{28A0092B-C50C-407E-A947-70E740481C1C}">
-                <a14:useLocalDpi xmlns:a14="http://schemas.microsoft.com/office/drawing/2010/main" val="0"/>
-              </a:ext>
-            </a:extLst>
-          </a:blip>
-          <a:srcRect/>
+          <a:blip r:embed="rId2"/>
           <a:stretch>
             <a:fillRect/>
           </a:stretch>
         </p:blipFill>
-        <p:spPr bwMode="auto">
-          <a:xfrm>
-            <a:off x="4129709" y="1359062"/>
-            <a:ext cx="8028849" cy="4139875"/>
+        <p:spPr>
+          <a:xfrm>
+            <a:off x="4147357" y="1214957"/>
+            <a:ext cx="7993554" cy="4428085"/>
           </a:xfrm>
           <a:prstGeom prst="rect">
             <a:avLst/>
           </a:prstGeom>
-          <a:noFill/>
-          <a:extLst>
-            <a:ext uri="{909E8E84-426E-40DD-AFC4-6F175D3DCCD1}">
-              <a14:hiddenFill xmlns:a14="http://schemas.microsoft.com/office/drawing/2010/main">
-                <a:solidFill>
-                  <a:srgbClr val="FFFFFF"/>
-                </a:solidFill>
-              </a14:hiddenFill>
-            </a:ext>
-          </a:extLst>
         </p:spPr>
       </p:pic>
     </p:spTree>
@@ -5079,10 +5233,10 @@
       </p:sp>
       <p:pic>
         <p:nvPicPr>
-          <p:cNvPr id="4" name="Picture 3">
+          <p:cNvPr id="6" name="Picture 5" descr="A screenshot of a cell phone&#10;&#10;Description automatically generated">
             <a:extLst>
               <a:ext uri="{FF2B5EF4-FFF2-40B4-BE49-F238E27FC236}">
-                <a16:creationId xmlns:a16="http://schemas.microsoft.com/office/drawing/2014/main" id="{0159F2AD-8FD6-4B08-AC2C-D5AC9A45F6E9}"/>
+                <a16:creationId xmlns:a16="http://schemas.microsoft.com/office/drawing/2014/main" id="{D78FCE15-D745-48A2-9668-9E9E3109F85D}"/>
               </a:ext>
             </a:extLst>
           </p:cNvPr>
@@ -5099,8 +5253,8 @@
         </p:blipFill>
         <p:spPr>
           <a:xfrm>
-            <a:off x="4179523" y="1166793"/>
-            <a:ext cx="7937568" cy="4524413"/>
+            <a:off x="4126432" y="1210018"/>
+            <a:ext cx="8035404" cy="4437964"/>
           </a:xfrm>
           <a:prstGeom prst="rect">
             <a:avLst/>
